--- a/Pi Bracket to Mount to Wood.pptx
+++ b/Pi Bracket to Mount to Wood.pptx
@@ -10,6 +10,7 @@
     <p:sldId id="258" r:id="rId4"/>
     <p:sldId id="259" r:id="rId5"/>
     <p:sldId id="260" r:id="rId6"/>
+    <p:sldId id="261" r:id="rId7"/>
   </p:sldIdLst>
   <p:sldSz cx="12192000" cy="6858000"/>
   <p:notesSz cx="6858000" cy="9144000"/>
@@ -108,6 +109,11 @@
       </a:defRPr>
     </a:lvl9pPr>
   </p:defaultTextStyle>
+  <p:extLst>
+    <p:ext uri="{EFAFB233-063F-42B5-8137-9DF3F51BA10A}">
+      <p15:sldGuideLst xmlns:p15="http://schemas.microsoft.com/office/powerpoint/2012/main"/>
+    </p:ext>
+  </p:extLst>
 </p:presentation>
 </file>
 
@@ -258,7 +264,7 @@
           <a:p>
             <a:fld id="{25502606-3638-4611-AA19-EC0B738BFC34}" type="datetimeFigureOut">
               <a:rPr lang="en-US" smtClean="0"/>
-              <a:t>3/19/2024</a:t>
+              <a:t>3/21/2024</a:t>
             </a:fld>
             <a:endParaRPr lang="en-US"/>
           </a:p>
@@ -456,7 +462,7 @@
           <a:p>
             <a:fld id="{25502606-3638-4611-AA19-EC0B738BFC34}" type="datetimeFigureOut">
               <a:rPr lang="en-US" smtClean="0"/>
-              <a:t>3/19/2024</a:t>
+              <a:t>3/21/2024</a:t>
             </a:fld>
             <a:endParaRPr lang="en-US"/>
           </a:p>
@@ -664,7 +670,7 @@
           <a:p>
             <a:fld id="{25502606-3638-4611-AA19-EC0B738BFC34}" type="datetimeFigureOut">
               <a:rPr lang="en-US" smtClean="0"/>
-              <a:t>3/19/2024</a:t>
+              <a:t>3/21/2024</a:t>
             </a:fld>
             <a:endParaRPr lang="en-US"/>
           </a:p>
@@ -862,7 +868,7 @@
           <a:p>
             <a:fld id="{25502606-3638-4611-AA19-EC0B738BFC34}" type="datetimeFigureOut">
               <a:rPr lang="en-US" smtClean="0"/>
-              <a:t>3/19/2024</a:t>
+              <a:t>3/21/2024</a:t>
             </a:fld>
             <a:endParaRPr lang="en-US"/>
           </a:p>
@@ -1137,7 +1143,7 @@
           <a:p>
             <a:fld id="{25502606-3638-4611-AA19-EC0B738BFC34}" type="datetimeFigureOut">
               <a:rPr lang="en-US" smtClean="0"/>
-              <a:t>3/19/2024</a:t>
+              <a:t>3/21/2024</a:t>
             </a:fld>
             <a:endParaRPr lang="en-US"/>
           </a:p>
@@ -1402,7 +1408,7 @@
           <a:p>
             <a:fld id="{25502606-3638-4611-AA19-EC0B738BFC34}" type="datetimeFigureOut">
               <a:rPr lang="en-US" smtClean="0"/>
-              <a:t>3/19/2024</a:t>
+              <a:t>3/21/2024</a:t>
             </a:fld>
             <a:endParaRPr lang="en-US"/>
           </a:p>
@@ -1814,7 +1820,7 @@
           <a:p>
             <a:fld id="{25502606-3638-4611-AA19-EC0B738BFC34}" type="datetimeFigureOut">
               <a:rPr lang="en-US" smtClean="0"/>
-              <a:t>3/19/2024</a:t>
+              <a:t>3/21/2024</a:t>
             </a:fld>
             <a:endParaRPr lang="en-US"/>
           </a:p>
@@ -1955,7 +1961,7 @@
           <a:p>
             <a:fld id="{25502606-3638-4611-AA19-EC0B738BFC34}" type="datetimeFigureOut">
               <a:rPr lang="en-US" smtClean="0"/>
-              <a:t>3/19/2024</a:t>
+              <a:t>3/21/2024</a:t>
             </a:fld>
             <a:endParaRPr lang="en-US"/>
           </a:p>
@@ -2068,7 +2074,7 @@
           <a:p>
             <a:fld id="{25502606-3638-4611-AA19-EC0B738BFC34}" type="datetimeFigureOut">
               <a:rPr lang="en-US" smtClean="0"/>
-              <a:t>3/19/2024</a:t>
+              <a:t>3/21/2024</a:t>
             </a:fld>
             <a:endParaRPr lang="en-US"/>
           </a:p>
@@ -2379,7 +2385,7 @@
           <a:p>
             <a:fld id="{25502606-3638-4611-AA19-EC0B738BFC34}" type="datetimeFigureOut">
               <a:rPr lang="en-US" smtClean="0"/>
-              <a:t>3/19/2024</a:t>
+              <a:t>3/21/2024</a:t>
             </a:fld>
             <a:endParaRPr lang="en-US"/>
           </a:p>
@@ -2667,7 +2673,7 @@
           <a:p>
             <a:fld id="{25502606-3638-4611-AA19-EC0B738BFC34}" type="datetimeFigureOut">
               <a:rPr lang="en-US" smtClean="0"/>
-              <a:t>3/19/2024</a:t>
+              <a:t>3/21/2024</a:t>
             </a:fld>
             <a:endParaRPr lang="en-US"/>
           </a:p>
@@ -2908,7 +2914,7 @@
           <a:p>
             <a:fld id="{25502606-3638-4611-AA19-EC0B738BFC34}" type="datetimeFigureOut">
               <a:rPr lang="en-US" smtClean="0"/>
-              <a:t>3/19/2024</a:t>
+              <a:t>3/21/2024</a:t>
             </a:fld>
             <a:endParaRPr lang="en-US"/>
           </a:p>
@@ -3764,39 +3770,211 @@
           <a:bodyPr/>
           <a:lstStyle/>
           <a:p>
-            <a:endParaRPr lang="en-US"/>
-          </a:p>
-        </p:txBody>
-      </p:sp>
-      <p:sp>
-        <p:nvSpPr>
-          <p:cNvPr id="3" name="Content Placeholder 2">
-            <a:extLst>
-              <a:ext uri="{FF2B5EF4-FFF2-40B4-BE49-F238E27FC236}">
-                <a16:creationId xmlns:a16="http://schemas.microsoft.com/office/drawing/2014/main" id="{4DCDEFE8-7EB0-1A98-9CFE-00C119C4EA29}"/>
-              </a:ext>
-            </a:extLst>
-          </p:cNvPr>
-          <p:cNvSpPr>
-            <a:spLocks noGrp="1"/>
-          </p:cNvSpPr>
-          <p:nvPr>
-            <p:ph idx="1"/>
-          </p:nvPr>
-        </p:nvSpPr>
-        <p:spPr/>
-        <p:txBody>
-          <a:bodyPr/>
-          <a:lstStyle/>
-          <a:p>
-            <a:endParaRPr lang="en-US"/>
-          </a:p>
-        </p:txBody>
-      </p:sp>
+            <a:r>
+              <a:rPr lang="en-US" dirty="0"/>
+              <a:t>Bracket to mount Circuit Playground Express</a:t>
+            </a:r>
+          </a:p>
+        </p:txBody>
+      </p:sp>
+      <p:pic>
+        <p:nvPicPr>
+          <p:cNvPr id="5" name="Picture 4">
+            <a:extLst>
+              <a:ext uri="{FF2B5EF4-FFF2-40B4-BE49-F238E27FC236}">
+                <a16:creationId xmlns:a16="http://schemas.microsoft.com/office/drawing/2014/main" id="{9F24F8E5-1808-8994-9F15-6109BBEF720F}"/>
+              </a:ext>
+            </a:extLst>
+          </p:cNvPr>
+          <p:cNvPicPr>
+            <a:picLocks noChangeAspect="1"/>
+          </p:cNvPicPr>
+          <p:nvPr/>
+        </p:nvPicPr>
+        <p:blipFill>
+          <a:blip r:embed="rId2"/>
+          <a:stretch>
+            <a:fillRect/>
+          </a:stretch>
+        </p:blipFill>
+        <p:spPr>
+          <a:xfrm>
+            <a:off x="2062162" y="1636562"/>
+            <a:ext cx="6620199" cy="4588025"/>
+          </a:xfrm>
+          <a:prstGeom prst="rect">
+            <a:avLst/>
+          </a:prstGeom>
+        </p:spPr>
+      </p:pic>
     </p:spTree>
     <p:extLst>
       <p:ext uri="{BB962C8B-B14F-4D97-AF65-F5344CB8AC3E}">
         <p14:creationId xmlns:p14="http://schemas.microsoft.com/office/powerpoint/2010/main" val="4073472558"/>
+      </p:ext>
+    </p:extLst>
+  </p:cSld>
+  <p:clrMapOvr>
+    <a:masterClrMapping/>
+  </p:clrMapOvr>
+</p:sld>
+</file>
+
+<file path=ppt/slides/slide6.xml><?xml version="1.0" encoding="utf-8"?>
+<p:sld xmlns:a="http://schemas.openxmlformats.org/drawingml/2006/main" xmlns:r="http://schemas.openxmlformats.org/officeDocument/2006/relationships" xmlns:p="http://schemas.openxmlformats.org/presentationml/2006/main">
+  <p:cSld>
+    <p:spTree>
+      <p:nvGrpSpPr>
+        <p:cNvPr id="1" name=""/>
+        <p:cNvGrpSpPr/>
+        <p:nvPr/>
+      </p:nvGrpSpPr>
+      <p:grpSpPr>
+        <a:xfrm>
+          <a:off x="0" y="0"/>
+          <a:ext cx="0" cy="0"/>
+          <a:chOff x="0" y="0"/>
+          <a:chExt cx="0" cy="0"/>
+        </a:xfrm>
+      </p:grpSpPr>
+      <p:sp>
+        <p:nvSpPr>
+          <p:cNvPr id="2" name="Title 1">
+            <a:extLst>
+              <a:ext uri="{FF2B5EF4-FFF2-40B4-BE49-F238E27FC236}">
+                <a16:creationId xmlns:a16="http://schemas.microsoft.com/office/drawing/2014/main" id="{6DDE426D-6117-B669-B4F5-7A43147BEDBA}"/>
+              </a:ext>
+            </a:extLst>
+          </p:cNvPr>
+          <p:cNvSpPr>
+            <a:spLocks noGrp="1"/>
+          </p:cNvSpPr>
+          <p:nvPr>
+            <p:ph type="title"/>
+          </p:nvPr>
+        </p:nvSpPr>
+        <p:spPr/>
+        <p:txBody>
+          <a:bodyPr/>
+          <a:lstStyle/>
+          <a:p>
+            <a:r>
+              <a:rPr lang="en-US" dirty="0"/>
+              <a:t>Thread inserts for 4-40 for Circuit Playground Express</a:t>
+            </a:r>
+          </a:p>
+        </p:txBody>
+      </p:sp>
+      <p:pic>
+        <p:nvPicPr>
+          <p:cNvPr id="5" name="Picture 4">
+            <a:extLst>
+              <a:ext uri="{FF2B5EF4-FFF2-40B4-BE49-F238E27FC236}">
+                <a16:creationId xmlns:a16="http://schemas.microsoft.com/office/drawing/2014/main" id="{63006BAB-37D8-333D-21C9-E3F2FB054157}"/>
+              </a:ext>
+            </a:extLst>
+          </p:cNvPr>
+          <p:cNvPicPr>
+            <a:picLocks noChangeAspect="1"/>
+          </p:cNvPicPr>
+          <p:nvPr/>
+        </p:nvPicPr>
+        <p:blipFill>
+          <a:blip r:embed="rId2"/>
+          <a:stretch>
+            <a:fillRect/>
+          </a:stretch>
+        </p:blipFill>
+        <p:spPr>
+          <a:xfrm>
+            <a:off x="1390650" y="1945874"/>
+            <a:ext cx="4705350" cy="4457700"/>
+          </a:xfrm>
+          <a:prstGeom prst="rect">
+            <a:avLst/>
+          </a:prstGeom>
+        </p:spPr>
+      </p:pic>
+      <p:sp>
+        <p:nvSpPr>
+          <p:cNvPr id="6" name="TextBox 5">
+            <a:extLst>
+              <a:ext uri="{FF2B5EF4-FFF2-40B4-BE49-F238E27FC236}">
+                <a16:creationId xmlns:a16="http://schemas.microsoft.com/office/drawing/2014/main" id="{C2BD71FB-9E48-1EC2-B190-A81C6E69777F}"/>
+              </a:ext>
+            </a:extLst>
+          </p:cNvPr>
+          <p:cNvSpPr txBox="1"/>
+          <p:nvPr/>
+        </p:nvSpPr>
+        <p:spPr>
+          <a:xfrm>
+            <a:off x="7004482" y="2991775"/>
+            <a:ext cx="3204838" cy="923330"/>
+          </a:xfrm>
+          <a:prstGeom prst="rect">
+            <a:avLst/>
+          </a:prstGeom>
+          <a:noFill/>
+        </p:spPr>
+        <p:txBody>
+          <a:bodyPr wrap="square" rtlCol="0">
+            <a:spAutoFit/>
+          </a:bodyPr>
+          <a:lstStyle/>
+          <a:p>
+            <a:r>
+              <a:rPr lang="en-US" dirty="0"/>
+              <a:t>4-40 inserts L is 5.7 mm, or 5.7 on 3 mm for a total height of 8.7 mm, d3 + 2xw = 4+3.2=7.2mm</a:t>
+            </a:r>
+          </a:p>
+        </p:txBody>
+      </p:sp>
+      <p:sp>
+        <p:nvSpPr>
+          <p:cNvPr id="8" name="TextBox 7">
+            <a:extLst>
+              <a:ext uri="{FF2B5EF4-FFF2-40B4-BE49-F238E27FC236}">
+                <a16:creationId xmlns:a16="http://schemas.microsoft.com/office/drawing/2014/main" id="{5FF0DE3F-1B8D-C0A5-8F6C-C17F86E9992A}"/>
+              </a:ext>
+            </a:extLst>
+          </p:cNvPr>
+          <p:cNvSpPr txBox="1"/>
+          <p:nvPr/>
+        </p:nvSpPr>
+        <p:spPr>
+          <a:xfrm>
+            <a:off x="6012402" y="5757243"/>
+            <a:ext cx="6094520" cy="646331"/>
+          </a:xfrm>
+          <a:prstGeom prst="rect">
+            <a:avLst/>
+          </a:prstGeom>
+          <a:noFill/>
+        </p:spPr>
+        <p:txBody>
+          <a:bodyPr wrap="square">
+            <a:spAutoFit/>
+          </a:bodyPr>
+          <a:lstStyle/>
+          <a:p>
+            <a:r>
+              <a:rPr lang="en-US" dirty="0">
+                <a:hlinkClick r:id="rId3"/>
+              </a:rPr>
+              <a:t>https://www.amazon.com/ruthex-4-40-Threaded-Inserts-RX-4-40x5-7/dp/B0CG4M8HC5/</a:t>
+            </a:r>
+            <a:r>
+              <a:rPr lang="en-US" dirty="0"/>
+              <a:t> </a:t>
+            </a:r>
+          </a:p>
+        </p:txBody>
+      </p:sp>
+    </p:spTree>
+    <p:extLst>
+      <p:ext uri="{BB962C8B-B14F-4D97-AF65-F5344CB8AC3E}">
+        <p14:creationId xmlns:p14="http://schemas.microsoft.com/office/powerpoint/2010/main" val="714880147"/>
       </p:ext>
     </p:extLst>
   </p:cSld>
